--- a/files/teaching-resources/monmouthcollege-econ-300/ECON300-Q02-RECAP.pptx
+++ b/files/teaching-resources/monmouthcollege-econ-300/ECON300-Q02-RECAP.pptx
@@ -213,7 +213,7 @@
           <a:p>
             <a:fld id="{0E0A6441-4E79-42FF-805B-86C90BDFD38D}" type="datetimeFigureOut">
               <a:rPr lang="en-US" smtClean="0"/>
-              <a:t>9/18/2023</a:t>
+              <a:t>9/22/2023</a:t>
             </a:fld>
             <a:endParaRPr lang="en-US" dirty="0"/>
           </a:p>
@@ -4740,8 +4740,8 @@
           </a:p>
         </p:txBody>
       </p:sp>
-      <mc:AlternateContent xmlns:mc="http://schemas.openxmlformats.org/markup-compatibility/2006">
-        <mc:Choice xmlns:a14="http://schemas.microsoft.com/office/drawing/2010/main" Requires="a14">
+      <mc:AlternateContent xmlns:mc="http://schemas.openxmlformats.org/markup-compatibility/2006" xmlns:a14="http://schemas.microsoft.com/office/drawing/2010/main">
+        <mc:Choice Requires="a14">
           <p:sp>
             <p:nvSpPr>
               <p:cNvPr id="3" name="Content Placeholder 2">
@@ -5120,7 +5120,7 @@
             </p:txBody>
           </p:sp>
         </mc:Choice>
-        <mc:Fallback>
+        <mc:Fallback xmlns="">
           <p:sp>
             <p:nvSpPr>
               <p:cNvPr id="3" name="Content Placeholder 2">
@@ -5510,8 +5510,8 @@
           </a:p>
         </p:txBody>
       </p:sp>
-      <mc:AlternateContent xmlns:mc="http://schemas.openxmlformats.org/markup-compatibility/2006">
-        <mc:Choice xmlns:a14="http://schemas.microsoft.com/office/drawing/2010/main" Requires="a14">
+      <mc:AlternateContent xmlns:mc="http://schemas.openxmlformats.org/markup-compatibility/2006" xmlns:a14="http://schemas.microsoft.com/office/drawing/2010/main">
+        <mc:Choice Requires="a14">
           <p:sp>
             <p:nvSpPr>
               <p:cNvPr id="3" name="Content Placeholder 2">
@@ -5585,7 +5585,7 @@
             </p:txBody>
           </p:sp>
         </mc:Choice>
-        <mc:Fallback>
+        <mc:Fallback xmlns="">
           <p:sp>
             <p:nvSpPr>
               <p:cNvPr id="3" name="Content Placeholder 2">
@@ -6130,8 +6130,8 @@
           </a:prstGeom>
         </p:spPr>
       </p:pic>
-      <mc:AlternateContent xmlns:mc="http://schemas.openxmlformats.org/markup-compatibility/2006">
-        <mc:Choice xmlns:a14="http://schemas.microsoft.com/office/drawing/2010/main" Requires="a14">
+      <mc:AlternateContent xmlns:mc="http://schemas.openxmlformats.org/markup-compatibility/2006" xmlns:a14="http://schemas.microsoft.com/office/drawing/2010/main">
+        <mc:Choice Requires="a14">
           <p:sp>
             <p:nvSpPr>
               <p:cNvPr id="9" name="TextBox 8">
@@ -6214,7 +6214,7 @@
             </p:txBody>
           </p:sp>
         </mc:Choice>
-        <mc:Fallback>
+        <mc:Fallback xmlns="">
           <p:sp>
             <p:nvSpPr>
               <p:cNvPr id="9" name="TextBox 8">
@@ -6317,8 +6317,8 @@
           </a:p>
         </p:txBody>
       </p:sp>
-      <mc:AlternateContent xmlns:mc="http://schemas.openxmlformats.org/markup-compatibility/2006">
-        <mc:Choice xmlns:a14="http://schemas.microsoft.com/office/drawing/2010/main" Requires="a14">
+      <mc:AlternateContent xmlns:mc="http://schemas.openxmlformats.org/markup-compatibility/2006" xmlns:a14="http://schemas.microsoft.com/office/drawing/2010/main">
+        <mc:Choice Requires="a14">
           <p:sp>
             <p:nvSpPr>
               <p:cNvPr id="3" name="Content Placeholder 2">
@@ -6448,7 +6448,7 @@
             </p:txBody>
           </p:sp>
         </mc:Choice>
-        <mc:Fallback>
+        <mc:Fallback xmlns="">
           <p:sp>
             <p:nvSpPr>
               <p:cNvPr id="3" name="Content Placeholder 2">
@@ -6633,8 +6633,8 @@
           </a:p>
         </p:txBody>
       </p:sp>
-      <mc:AlternateContent xmlns:mc="http://schemas.openxmlformats.org/markup-compatibility/2006">
-        <mc:Choice xmlns:a14="http://schemas.microsoft.com/office/drawing/2010/main" Requires="a14">
+      <mc:AlternateContent xmlns:mc="http://schemas.openxmlformats.org/markup-compatibility/2006" xmlns:a14="http://schemas.microsoft.com/office/drawing/2010/main">
+        <mc:Choice Requires="a14">
           <p:sp>
             <p:nvSpPr>
               <p:cNvPr id="3" name="Content Placeholder 2">
@@ -7502,7 +7502,7 @@
             </p:txBody>
           </p:sp>
         </mc:Choice>
-        <mc:Fallback>
+        <mc:Fallback xmlns="">
           <p:sp>
             <p:nvSpPr>
               <p:cNvPr id="3" name="Content Placeholder 2">
@@ -7735,7 +7735,15 @@
           <a:p>
             <a:r>
               <a:rPr lang="en-US" dirty="0"/>
-              <a:t>Dates: Sep. 25</a:t>
+              <a:t>Dates: Sep. 22</a:t>
+            </a:r>
+            <a:r>
+              <a:rPr lang="en-US" baseline="30000" dirty="0"/>
+              <a:t>nd</a:t>
+            </a:r>
+            <a:r>
+              <a:rPr lang="en-US" dirty="0"/>
+              <a:t> ~ Sep 29</a:t>
             </a:r>
             <a:r>
               <a:rPr lang="en-US" baseline="30000" dirty="0"/>
@@ -7743,15 +7751,7 @@
             </a:r>
             <a:r>
               <a:rPr lang="en-US" dirty="0"/>
-              <a:t> ~ Sep 29</a:t>
-            </a:r>
-            <a:r>
-              <a:rPr lang="en-US" baseline="30000" dirty="0"/>
-              <a:t>th</a:t>
-            </a:r>
-            <a:r>
-              <a:rPr lang="en-US" dirty="0"/>
-              <a:t>, 2023 (Mon ~ Fri)</a:t>
+              <a:t>, 2023</a:t>
             </a:r>
           </a:p>
           <a:p>
@@ -7761,7 +7761,7 @@
           <a:p>
             <a:r>
               <a:rPr lang="en-US" dirty="0"/>
-              <a:t>Length: 10 Minutes per Session</a:t>
+              <a:t>Length: 15 Minutes per Session</a:t>
             </a:r>
           </a:p>
           <a:p>
@@ -7905,114 +7905,6 @@
       </p:grpSpPr>
       <p:sp>
         <p:nvSpPr>
-          <p:cNvPr id="2" name="Title 1">
-            <a:extLst>
-              <a:ext uri="{FF2B5EF4-FFF2-40B4-BE49-F238E27FC236}">
-                <a16:creationId xmlns:a16="http://schemas.microsoft.com/office/drawing/2014/main" id="{D695E1D0-AC50-75BC-2F86-0F207240C764}"/>
-              </a:ext>
-            </a:extLst>
-          </p:cNvPr>
-          <p:cNvSpPr>
-            <a:spLocks noGrp="1"/>
-          </p:cNvSpPr>
-          <p:nvPr>
-            <p:ph type="title"/>
-          </p:nvPr>
-        </p:nvSpPr>
-        <p:spPr/>
-        <p:txBody>
-          <a:bodyPr/>
-          <a:lstStyle/>
-          <a:p>
-            <a:r>
-              <a:rPr lang="en-US" dirty="0"/>
-              <a:t>Quiz #2: Statistics</a:t>
-            </a:r>
-          </a:p>
-        </p:txBody>
-      </p:sp>
-      <p:sp>
-        <p:nvSpPr>
-          <p:cNvPr id="3" name="Content Placeholder 2">
-            <a:extLst>
-              <a:ext uri="{FF2B5EF4-FFF2-40B4-BE49-F238E27FC236}">
-                <a16:creationId xmlns:a16="http://schemas.microsoft.com/office/drawing/2014/main" id="{B8B4D1D4-EA4B-DF09-BAF9-16891DCF122C}"/>
-              </a:ext>
-            </a:extLst>
-          </p:cNvPr>
-          <p:cNvSpPr>
-            <a:spLocks noGrp="1"/>
-          </p:cNvSpPr>
-          <p:nvPr>
-            <p:ph idx="1"/>
-          </p:nvPr>
-        </p:nvSpPr>
-        <p:spPr/>
-        <p:txBody>
-          <a:bodyPr/>
-          <a:lstStyle/>
-          <a:p>
-            <a:r>
-              <a:rPr lang="en-US" dirty="0"/>
-              <a:t>Pre-recovery Statistics</a:t>
-            </a:r>
-          </a:p>
-          <a:p>
-            <a:pPr lvl="1"/>
-            <a:r>
-              <a:rPr lang="en-US" dirty="0"/>
-              <a:t>Average: 83</a:t>
-            </a:r>
-          </a:p>
-          <a:p>
-            <a:pPr lvl="1"/>
-            <a:r>
-              <a:rPr lang="en-US" dirty="0"/>
-              <a:t>Standard Deviation: 14.1</a:t>
-            </a:r>
-          </a:p>
-          <a:p>
-            <a:pPr lvl="1"/>
-            <a:r>
-              <a:rPr lang="en-US" dirty="0"/>
-              <a:t>Median: 85</a:t>
-            </a:r>
-          </a:p>
-          <a:p>
-            <a:pPr lvl="3"/>
-            <a:endParaRPr lang="en-US" dirty="0"/>
-          </a:p>
-          <a:p>
-            <a:r>
-              <a:rPr lang="en-US" dirty="0"/>
-              <a:t>Post-recovery (Potential) Statistics</a:t>
-            </a:r>
-          </a:p>
-          <a:p>
-            <a:pPr lvl="1"/>
-            <a:r>
-              <a:rPr lang="en-US" dirty="0"/>
-              <a:t>Average: 98.3</a:t>
-            </a:r>
-          </a:p>
-          <a:p>
-            <a:pPr lvl="1"/>
-            <a:r>
-              <a:rPr lang="en-US" dirty="0"/>
-              <a:t>Standard Deviation: 1.41</a:t>
-            </a:r>
-          </a:p>
-          <a:p>
-            <a:pPr lvl="1"/>
-            <a:r>
-              <a:rPr lang="en-US" dirty="0"/>
-              <a:t>Median: 98.5</a:t>
-            </a:r>
-          </a:p>
-        </p:txBody>
-      </p:sp>
-      <p:sp>
-        <p:nvSpPr>
           <p:cNvPr id="4" name="Date Placeholder 3">
             <a:extLst>
               <a:ext uri="{FF2B5EF4-FFF2-40B4-BE49-F238E27FC236}">
@@ -8098,6 +7990,77 @@
           </a:p>
         </p:txBody>
       </p:sp>
+      <p:pic>
+        <p:nvPicPr>
+          <p:cNvPr id="2" name="Content Placeholder 7" descr="A graph of a bar graph&#10;&#10;Description automatically generated">
+            <a:extLst>
+              <a:ext uri="{FF2B5EF4-FFF2-40B4-BE49-F238E27FC236}">
+                <a16:creationId xmlns:a16="http://schemas.microsoft.com/office/drawing/2014/main" id="{3DCF0801-E245-D3D1-5BD8-8A7425CD4A07}"/>
+              </a:ext>
+            </a:extLst>
+          </p:cNvPr>
+          <p:cNvPicPr>
+            <a:picLocks noChangeAspect="1"/>
+          </p:cNvPicPr>
+          <p:nvPr/>
+        </p:nvPicPr>
+        <p:blipFill>
+          <a:blip r:embed="rId2">
+            <a:extLst>
+              <a:ext uri="{28A0092B-C50C-407E-A947-70E740481C1C}">
+                <a14:useLocalDpi xmlns:a14="http://schemas.microsoft.com/office/drawing/2010/main" val="0"/>
+              </a:ext>
+            </a:extLst>
+          </a:blip>
+          <a:stretch>
+            <a:fillRect/>
+          </a:stretch>
+        </p:blipFill>
+        <p:spPr>
+          <a:xfrm>
+            <a:off x="862642" y="732296"/>
+            <a:ext cx="7418716" cy="5393407"/>
+          </a:xfrm>
+          <a:prstGeom prst="rect">
+            <a:avLst/>
+          </a:prstGeom>
+        </p:spPr>
+      </p:pic>
+      <p:pic>
+        <p:nvPicPr>
+          <p:cNvPr id="10" name="Content Placeholder 9" descr="A graph with different colored bars&#10;&#10;Description automatically generated">
+            <a:extLst>
+              <a:ext uri="{FF2B5EF4-FFF2-40B4-BE49-F238E27FC236}">
+                <a16:creationId xmlns:a16="http://schemas.microsoft.com/office/drawing/2014/main" id="{BF617496-1E41-1555-2F6F-0419195F37C0}"/>
+              </a:ext>
+            </a:extLst>
+          </p:cNvPr>
+          <p:cNvPicPr>
+            <a:picLocks noGrp="1" noChangeAspect="1"/>
+          </p:cNvPicPr>
+          <p:nvPr>
+            <p:ph idx="1"/>
+          </p:nvPr>
+        </p:nvPicPr>
+        <p:blipFill>
+          <a:blip r:embed="rId3">
+            <a:extLst>
+              <a:ext uri="{28A0092B-C50C-407E-A947-70E740481C1C}">
+                <a14:useLocalDpi xmlns:a14="http://schemas.microsoft.com/office/drawing/2010/main" val="0"/>
+              </a:ext>
+            </a:extLst>
+          </a:blip>
+          <a:stretch>
+            <a:fillRect/>
+          </a:stretch>
+        </p:blipFill>
+        <p:spPr>
+          <a:xfrm>
+            <a:off x="862642" y="732297"/>
+            <a:ext cx="7418716" cy="5393406"/>
+          </a:xfrm>
+        </p:spPr>
+      </p:pic>
     </p:spTree>
     <p:extLst>
       <p:ext uri="{BB962C8B-B14F-4D97-AF65-F5344CB8AC3E}">
@@ -8108,6 +8071,89 @@
   <p:clrMapOvr>
     <a:masterClrMapping/>
   </p:clrMapOvr>
+  <p:timing>
+    <p:tnLst>
+      <p:par>
+        <p:cTn id="1" dur="indefinite" restart="never" nodeType="tmRoot">
+          <p:childTnLst>
+            <p:seq concurrent="1" nextAc="seek">
+              <p:cTn id="2" dur="indefinite" nodeType="mainSeq">
+                <p:childTnLst>
+                  <p:par>
+                    <p:cTn id="3" fill="hold">
+                      <p:stCondLst>
+                        <p:cond delay="indefinite"/>
+                      </p:stCondLst>
+                      <p:childTnLst>
+                        <p:par>
+                          <p:cTn id="4" fill="hold">
+                            <p:stCondLst>
+                              <p:cond delay="0"/>
+                            </p:stCondLst>
+                            <p:childTnLst>
+                              <p:par>
+                                <p:cTn id="5" presetID="10" presetClass="entr" presetSubtype="0" fill="hold" nodeType="clickEffect">
+                                  <p:stCondLst>
+                                    <p:cond delay="0"/>
+                                  </p:stCondLst>
+                                  <p:childTnLst>
+                                    <p:set>
+                                      <p:cBhvr>
+                                        <p:cTn id="6" dur="1" fill="hold">
+                                          <p:stCondLst>
+                                            <p:cond delay="0"/>
+                                          </p:stCondLst>
+                                        </p:cTn>
+                                        <p:tgtEl>
+                                          <p:spTgt spid="10"/>
+                                        </p:tgtEl>
+                                        <p:attrNameLst>
+                                          <p:attrName>style.visibility</p:attrName>
+                                        </p:attrNameLst>
+                                      </p:cBhvr>
+                                      <p:to>
+                                        <p:strVal val="visible"/>
+                                      </p:to>
+                                    </p:set>
+                                    <p:animEffect transition="in" filter="fade">
+                                      <p:cBhvr>
+                                        <p:cTn id="7" dur="500"/>
+                                        <p:tgtEl>
+                                          <p:spTgt spid="10"/>
+                                        </p:tgtEl>
+                                      </p:cBhvr>
+                                    </p:animEffect>
+                                  </p:childTnLst>
+                                </p:cTn>
+                              </p:par>
+                            </p:childTnLst>
+                          </p:cTn>
+                        </p:par>
+                      </p:childTnLst>
+                    </p:cTn>
+                  </p:par>
+                </p:childTnLst>
+              </p:cTn>
+              <p:prevCondLst>
+                <p:cond evt="onPrev" delay="0">
+                  <p:tgtEl>
+                    <p:sldTgt/>
+                  </p:tgtEl>
+                </p:cond>
+              </p:prevCondLst>
+              <p:nextCondLst>
+                <p:cond evt="onNext" delay="0">
+                  <p:tgtEl>
+                    <p:sldTgt/>
+                  </p:tgtEl>
+                </p:cond>
+              </p:nextCondLst>
+            </p:seq>
+          </p:childTnLst>
+        </p:cTn>
+      </p:par>
+    </p:tnLst>
+  </p:timing>
 </p:sld>
 </file>
 
